--- a/web-technologies/Webapps.pptx
+++ b/web-technologies/Webapps.pptx
@@ -19,7 +19,9 @@
     <p:sldId id="267" r:id="rId13"/>
     <p:sldId id="268" r:id="rId14"/>
     <p:sldId id="269" r:id="rId15"/>
-    <p:sldId id="270" r:id="rId16"/>
+    <p:sldId id="271" r:id="rId16"/>
+    <p:sldId id="270" r:id="rId17"/>
+    <p:sldId id="272" r:id="rId18"/>
   </p:sldIdLst>
   <p:sldSz cx="12192000" cy="6858000"/>
   <p:notesSz cx="6858000" cy="9144000"/>
@@ -257,7 +259,7 @@
           <a:p>
             <a:fld id="{091ABAEB-22E2-46A4-91E5-15BB3F00F64E}" type="datetimeFigureOut">
               <a:rPr lang="fi-FI" smtClean="0"/>
-              <a:t>12.3.2017</a:t>
+              <a:t>19.3.2017</a:t>
             </a:fld>
             <a:endParaRPr lang="fi-FI"/>
           </a:p>
@@ -427,7 +429,7 @@
           <a:p>
             <a:fld id="{091ABAEB-22E2-46A4-91E5-15BB3F00F64E}" type="datetimeFigureOut">
               <a:rPr lang="fi-FI" smtClean="0"/>
-              <a:t>12.3.2017</a:t>
+              <a:t>19.3.2017</a:t>
             </a:fld>
             <a:endParaRPr lang="fi-FI"/>
           </a:p>
@@ -607,7 +609,7 @@
           <a:p>
             <a:fld id="{091ABAEB-22E2-46A4-91E5-15BB3F00F64E}" type="datetimeFigureOut">
               <a:rPr lang="fi-FI" smtClean="0"/>
-              <a:t>12.3.2017</a:t>
+              <a:t>19.3.2017</a:t>
             </a:fld>
             <a:endParaRPr lang="fi-FI"/>
           </a:p>
@@ -777,7 +779,7 @@
           <a:p>
             <a:fld id="{091ABAEB-22E2-46A4-91E5-15BB3F00F64E}" type="datetimeFigureOut">
               <a:rPr lang="fi-FI" smtClean="0"/>
-              <a:t>12.3.2017</a:t>
+              <a:t>19.3.2017</a:t>
             </a:fld>
             <a:endParaRPr lang="fi-FI"/>
           </a:p>
@@ -1023,7 +1025,7 @@
           <a:p>
             <a:fld id="{091ABAEB-22E2-46A4-91E5-15BB3F00F64E}" type="datetimeFigureOut">
               <a:rPr lang="fi-FI" smtClean="0"/>
-              <a:t>12.3.2017</a:t>
+              <a:t>19.3.2017</a:t>
             </a:fld>
             <a:endParaRPr lang="fi-FI"/>
           </a:p>
@@ -1255,7 +1257,7 @@
           <a:p>
             <a:fld id="{091ABAEB-22E2-46A4-91E5-15BB3F00F64E}" type="datetimeFigureOut">
               <a:rPr lang="fi-FI" smtClean="0"/>
-              <a:t>12.3.2017</a:t>
+              <a:t>19.3.2017</a:t>
             </a:fld>
             <a:endParaRPr lang="fi-FI"/>
           </a:p>
@@ -1622,7 +1624,7 @@
           <a:p>
             <a:fld id="{091ABAEB-22E2-46A4-91E5-15BB3F00F64E}" type="datetimeFigureOut">
               <a:rPr lang="fi-FI" smtClean="0"/>
-              <a:t>12.3.2017</a:t>
+              <a:t>19.3.2017</a:t>
             </a:fld>
             <a:endParaRPr lang="fi-FI"/>
           </a:p>
@@ -1740,7 +1742,7 @@
           <a:p>
             <a:fld id="{091ABAEB-22E2-46A4-91E5-15BB3F00F64E}" type="datetimeFigureOut">
               <a:rPr lang="fi-FI" smtClean="0"/>
-              <a:t>12.3.2017</a:t>
+              <a:t>19.3.2017</a:t>
             </a:fld>
             <a:endParaRPr lang="fi-FI"/>
           </a:p>
@@ -1835,7 +1837,7 @@
           <a:p>
             <a:fld id="{091ABAEB-22E2-46A4-91E5-15BB3F00F64E}" type="datetimeFigureOut">
               <a:rPr lang="fi-FI" smtClean="0"/>
-              <a:t>12.3.2017</a:t>
+              <a:t>19.3.2017</a:t>
             </a:fld>
             <a:endParaRPr lang="fi-FI"/>
           </a:p>
@@ -2112,7 +2114,7 @@
           <a:p>
             <a:fld id="{091ABAEB-22E2-46A4-91E5-15BB3F00F64E}" type="datetimeFigureOut">
               <a:rPr lang="fi-FI" smtClean="0"/>
-              <a:t>12.3.2017</a:t>
+              <a:t>19.3.2017</a:t>
             </a:fld>
             <a:endParaRPr lang="fi-FI"/>
           </a:p>
@@ -2365,7 +2367,7 @@
           <a:p>
             <a:fld id="{091ABAEB-22E2-46A4-91E5-15BB3F00F64E}" type="datetimeFigureOut">
               <a:rPr lang="fi-FI" smtClean="0"/>
-              <a:t>12.3.2017</a:t>
+              <a:t>19.3.2017</a:t>
             </a:fld>
             <a:endParaRPr lang="fi-FI"/>
           </a:p>
@@ -2578,7 +2580,7 @@
           <a:p>
             <a:fld id="{091ABAEB-22E2-46A4-91E5-15BB3F00F64E}" type="datetimeFigureOut">
               <a:rPr lang="fi-FI" smtClean="0"/>
-              <a:t>12.3.2017</a:t>
+              <a:t>19.3.2017</a:t>
             </a:fld>
             <a:endParaRPr lang="fi-FI"/>
           </a:p>
@@ -3000,7 +3002,7 @@
           <a:p>
             <a:r>
               <a:rPr lang="fi-FI" dirty="0" smtClean="0"/>
-              <a:t>Websovellukset</a:t>
+              <a:t>Web-sovellukset</a:t>
             </a:r>
             <a:endParaRPr lang="fi-FI" dirty="0"/>
           </a:p>
@@ -3039,6 +3041,13 @@
   <p:clrMapOvr>
     <a:masterClrMapping/>
   </p:clrMapOvr>
+  <p:timing>
+    <p:tnLst>
+      <p:par>
+        <p:cTn id="1" dur="indefinite" restart="never" nodeType="tmRoot"/>
+      </p:par>
+    </p:tnLst>
+  </p:timing>
 </p:sld>
 </file>
 
@@ -3116,6 +3125,13 @@
   <p:clrMapOvr>
     <a:masterClrMapping/>
   </p:clrMapOvr>
+  <p:timing>
+    <p:tnLst>
+      <p:par>
+        <p:cTn id="1" dur="indefinite" restart="never" nodeType="tmRoot"/>
+      </p:par>
+    </p:tnLst>
+  </p:timing>
 </p:sld>
 </file>
 
@@ -3225,6 +3241,13 @@
   <p:clrMapOvr>
     <a:masterClrMapping/>
   </p:clrMapOvr>
+  <p:timing>
+    <p:tnLst>
+      <p:par>
+        <p:cTn id="1" dur="indefinite" restart="never" nodeType="tmRoot"/>
+      </p:par>
+    </p:tnLst>
+  </p:timing>
 </p:sld>
 </file>
 
@@ -3329,6 +3352,13 @@
   <p:clrMapOvr>
     <a:masterClrMapping/>
   </p:clrMapOvr>
+  <p:timing>
+    <p:tnLst>
+      <p:par>
+        <p:cTn id="1" dur="indefinite" restart="never" nodeType="tmRoot"/>
+      </p:par>
+    </p:tnLst>
+  </p:timing>
 </p:sld>
 </file>
 
@@ -3489,6 +3519,13 @@
   <p:clrMapOvr>
     <a:masterClrMapping/>
   </p:clrMapOvr>
+  <p:timing>
+    <p:tnLst>
+      <p:par>
+        <p:cTn id="1" dur="indefinite" restart="never" nodeType="tmRoot"/>
+      </p:par>
+    </p:tnLst>
+  </p:timing>
 </p:sld>
 </file>
 
@@ -3688,6 +3725,13 @@
   <p:clrMapOvr>
     <a:masterClrMapping/>
   </p:clrMapOvr>
+  <p:timing>
+    <p:tnLst>
+      <p:par>
+        <p:cTn id="1" dur="indefinite" restart="never" nodeType="tmRoot"/>
+      </p:par>
+    </p:tnLst>
+  </p:timing>
 </p:sld>
 </file>
 
@@ -3710,7 +3754,7 @@
       </p:grpSpPr>
       <p:sp>
         <p:nvSpPr>
-          <p:cNvPr id="4" name="Title 3"/>
+          <p:cNvPr id="6" name="Title 5"/>
           <p:cNvSpPr>
             <a:spLocks noGrp="1"/>
           </p:cNvSpPr>
@@ -3724,46 +3768,35 @@
           <a:lstStyle/>
           <a:p>
             <a:r>
+              <a:rPr lang="fi-FI" dirty="0" smtClean="0"/>
+              <a:t>Kapselointi</a:t>
+            </a:r>
+            <a:endParaRPr lang="fi-FI" dirty="0"/>
+          </a:p>
+        </p:txBody>
+      </p:sp>
+      <p:sp>
+        <p:nvSpPr>
+          <p:cNvPr id="7" name="Subtitle 6"/>
+          <p:cNvSpPr>
+            <a:spLocks noGrp="1"/>
+          </p:cNvSpPr>
+          <p:nvPr>
+            <p:ph type="subTitle" idx="1"/>
+          </p:nvPr>
+        </p:nvSpPr>
+        <p:spPr/>
+        <p:txBody>
+          <a:bodyPr/>
+          <a:lstStyle/>
+          <a:p>
+            <a:r>
               <a:rPr lang="fi-FI" dirty="0"/>
-              <a:t>To </a:t>
-            </a:r>
-            <a:r>
-              <a:rPr lang="fi-FI" dirty="0" err="1"/>
-              <a:t>Be</a:t>
-            </a:r>
-            <a:r>
-              <a:rPr lang="fi-FI" dirty="0"/>
-              <a:t> </a:t>
-            </a:r>
-            <a:r>
-              <a:rPr lang="fi-FI" dirty="0" err="1"/>
-              <a:t>Continued</a:t>
-            </a:r>
-            <a:r>
-              <a:rPr lang="fi-FI" dirty="0"/>
-              <a:t>…</a:t>
-            </a:r>
-          </a:p>
-        </p:txBody>
-      </p:sp>
-      <p:sp>
-        <p:nvSpPr>
-          <p:cNvPr id="5" name="Subtitle 4"/>
-          <p:cNvSpPr>
-            <a:spLocks noGrp="1"/>
-          </p:cNvSpPr>
-          <p:nvPr>
-            <p:ph type="subTitle" idx="1"/>
-          </p:nvPr>
-        </p:nvSpPr>
-        <p:spPr/>
-        <p:txBody>
-          <a:bodyPr/>
-          <a:lstStyle/>
-          <a:p>
+              <a:t>JavaScript koodiakin voi kapseloida ja jakaa </a:t>
+            </a:r>
             <a:r>
               <a:rPr lang="fi-FI" dirty="0" smtClean="0"/>
-              <a:t>JavaScript Advanced Level</a:t>
+              <a:t>osiin</a:t>
             </a:r>
             <a:endParaRPr lang="fi-FI" dirty="0"/>
           </a:p>
@@ -3772,7 +3805,228 @@
     </p:spTree>
     <p:extLst>
       <p:ext uri="{BB962C8B-B14F-4D97-AF65-F5344CB8AC3E}">
-        <p14:creationId xmlns:p14="http://schemas.microsoft.com/office/powerpoint/2010/main" val="925537311"/>
+        <p14:creationId xmlns:p14="http://schemas.microsoft.com/office/powerpoint/2010/main" val="3662937501"/>
+      </p:ext>
+    </p:extLst>
+  </p:cSld>
+  <p:clrMapOvr>
+    <a:masterClrMapping/>
+  </p:clrMapOvr>
+</p:sld>
+</file>
+
+<file path=ppt/slides/slide16.xml><?xml version="1.0" encoding="utf-8"?>
+<p:sld xmlns:a="http://schemas.openxmlformats.org/drawingml/2006/main" xmlns:r="http://schemas.openxmlformats.org/officeDocument/2006/relationships" xmlns:p="http://schemas.openxmlformats.org/presentationml/2006/main">
+  <p:cSld>
+    <p:spTree>
+      <p:nvGrpSpPr>
+        <p:cNvPr id="1" name=""/>
+        <p:cNvGrpSpPr/>
+        <p:nvPr/>
+      </p:nvGrpSpPr>
+      <p:grpSpPr>
+        <a:xfrm>
+          <a:off x="0" y="0"/>
+          <a:ext cx="0" cy="0"/>
+          <a:chOff x="0" y="0"/>
+          <a:chExt cx="0" cy="0"/>
+        </a:xfrm>
+      </p:grpSpPr>
+      <p:sp>
+        <p:nvSpPr>
+          <p:cNvPr id="2" name="Title 1"/>
+          <p:cNvSpPr>
+            <a:spLocks noGrp="1"/>
+          </p:cNvSpPr>
+          <p:nvPr>
+            <p:ph type="title"/>
+          </p:nvPr>
+        </p:nvSpPr>
+        <p:spPr/>
+        <p:txBody>
+          <a:bodyPr/>
+          <a:lstStyle/>
+          <a:p>
+            <a:r>
+              <a:rPr lang="fi-FI" dirty="0" err="1" smtClean="0"/>
+              <a:t>Namespace</a:t>
+            </a:r>
+            <a:endParaRPr lang="fi-FI" dirty="0"/>
+          </a:p>
+        </p:txBody>
+      </p:sp>
+      <p:sp>
+        <p:nvSpPr>
+          <p:cNvPr id="3" name="Content Placeholder 2"/>
+          <p:cNvSpPr>
+            <a:spLocks noGrp="1"/>
+          </p:cNvSpPr>
+          <p:nvPr>
+            <p:ph idx="1"/>
+          </p:nvPr>
+        </p:nvSpPr>
+        <p:spPr/>
+        <p:txBody>
+          <a:bodyPr/>
+          <a:lstStyle/>
+          <a:p>
+            <a:r>
+              <a:rPr lang="fi-FI" dirty="0" smtClean="0"/>
+              <a:t>”</a:t>
+            </a:r>
+            <a:r>
+              <a:rPr lang="fi-FI" dirty="0" err="1" smtClean="0"/>
+              <a:t>namespace</a:t>
+            </a:r>
+            <a:r>
+              <a:rPr lang="fi-FI" dirty="0" smtClean="0"/>
+              <a:t>” == JavaScript </a:t>
+            </a:r>
+            <a:r>
+              <a:rPr lang="fi-FI" dirty="0" err="1" smtClean="0"/>
+              <a:t>object</a:t>
+            </a:r>
+            <a:endParaRPr lang="fi-FI" dirty="0" smtClean="0"/>
+          </a:p>
+          <a:p>
+            <a:r>
+              <a:rPr lang="fi-FI" dirty="0" smtClean="0"/>
+              <a:t>Kapseloi omaan ohjelmaan liittyvät asiat yhden </a:t>
+            </a:r>
+            <a:r>
+              <a:rPr lang="fi-FI" dirty="0" err="1" smtClean="0"/>
+              <a:t>objectin</a:t>
+            </a:r>
+            <a:r>
+              <a:rPr lang="fi-FI" dirty="0" smtClean="0"/>
+              <a:t> sisään</a:t>
+            </a:r>
+          </a:p>
+          <a:p>
+            <a:pPr lvl="1"/>
+            <a:r>
+              <a:rPr lang="fi-FI" dirty="0" smtClean="0"/>
+              <a:t>Jos näin ei tehdä, muuttujat ja funktiot ovat  globaaleja </a:t>
+            </a:r>
+          </a:p>
+          <a:p>
+            <a:pPr marL="457200" lvl="1" indent="0">
+              <a:buNone/>
+            </a:pPr>
+            <a:r>
+              <a:rPr lang="fi-FI" dirty="0" smtClean="0">
+                <a:sym typeface="Wingdings" panose="05000000000000000000" pitchFamily="2" charset="2"/>
+              </a:rPr>
+              <a:t> Ei kiva juttu. Miksi?</a:t>
+            </a:r>
+          </a:p>
+        </p:txBody>
+      </p:sp>
+    </p:spTree>
+    <p:extLst>
+      <p:ext uri="{BB962C8B-B14F-4D97-AF65-F5344CB8AC3E}">
+        <p14:creationId xmlns:p14="http://schemas.microsoft.com/office/powerpoint/2010/main" val="3707826690"/>
+      </p:ext>
+    </p:extLst>
+  </p:cSld>
+  <p:clrMapOvr>
+    <a:masterClrMapping/>
+  </p:clrMapOvr>
+</p:sld>
+</file>
+
+<file path=ppt/slides/slide17.xml><?xml version="1.0" encoding="utf-8"?>
+<p:sld xmlns:a="http://schemas.openxmlformats.org/drawingml/2006/main" xmlns:r="http://schemas.openxmlformats.org/officeDocument/2006/relationships" xmlns:p="http://schemas.openxmlformats.org/presentationml/2006/main">
+  <p:cSld>
+    <p:spTree>
+      <p:nvGrpSpPr>
+        <p:cNvPr id="1" name=""/>
+        <p:cNvGrpSpPr/>
+        <p:nvPr/>
+      </p:nvGrpSpPr>
+      <p:grpSpPr>
+        <a:xfrm>
+          <a:off x="0" y="0"/>
+          <a:ext cx="0" cy="0"/>
+          <a:chOff x="0" y="0"/>
+          <a:chExt cx="0" cy="0"/>
+        </a:xfrm>
+      </p:grpSpPr>
+      <p:sp>
+        <p:nvSpPr>
+          <p:cNvPr id="2" name="Title 1"/>
+          <p:cNvSpPr>
+            <a:spLocks noGrp="1"/>
+          </p:cNvSpPr>
+          <p:nvPr>
+            <p:ph type="title"/>
+          </p:nvPr>
+        </p:nvSpPr>
+        <p:spPr/>
+        <p:txBody>
+          <a:bodyPr/>
+          <a:lstStyle/>
+          <a:p>
+            <a:r>
+              <a:rPr lang="fi-FI" dirty="0" err="1" smtClean="0"/>
+              <a:t>Closures</a:t>
+            </a:r>
+            <a:r>
+              <a:rPr lang="fi-FI" dirty="0" smtClean="0"/>
+              <a:t> (sulkeumat)</a:t>
+            </a:r>
+            <a:endParaRPr lang="fi-FI" dirty="0"/>
+          </a:p>
+        </p:txBody>
+      </p:sp>
+      <p:sp>
+        <p:nvSpPr>
+          <p:cNvPr id="3" name="Content Placeholder 2"/>
+          <p:cNvSpPr>
+            <a:spLocks noGrp="1"/>
+          </p:cNvSpPr>
+          <p:nvPr>
+            <p:ph idx="1"/>
+          </p:nvPr>
+        </p:nvSpPr>
+        <p:spPr/>
+        <p:txBody>
+          <a:bodyPr/>
+          <a:lstStyle/>
+          <a:p>
+            <a:r>
+              <a:rPr lang="fi-FI" dirty="0" smtClean="0"/>
+              <a:t>Mahdollistaa funktioiden ”privaatit” muuttujat</a:t>
+            </a:r>
+          </a:p>
+          <a:p>
+            <a:r>
+              <a:rPr lang="fi-FI" dirty="0" err="1" smtClean="0"/>
+              <a:t>Self-invoking</a:t>
+            </a:r>
+            <a:r>
+              <a:rPr lang="fi-FI" dirty="0" smtClean="0"/>
+              <a:t> </a:t>
+            </a:r>
+            <a:r>
+              <a:rPr lang="fi-FI" dirty="0" err="1" smtClean="0"/>
+              <a:t>functions</a:t>
+            </a:r>
+            <a:endParaRPr lang="fi-FI" dirty="0" smtClean="0"/>
+          </a:p>
+          <a:p>
+            <a:r>
+              <a:rPr lang="fi-FI" dirty="0" smtClean="0"/>
+              <a:t>Objectien luonti</a:t>
+            </a:r>
+            <a:endParaRPr lang="fi-FI" dirty="0"/>
+          </a:p>
+        </p:txBody>
+      </p:sp>
+    </p:spTree>
+    <p:extLst>
+      <p:ext uri="{BB962C8B-B14F-4D97-AF65-F5344CB8AC3E}">
+        <p14:creationId xmlns:p14="http://schemas.microsoft.com/office/powerpoint/2010/main" val="2290931485"/>
       </p:ext>
     </p:extLst>
   </p:cSld>
@@ -3872,6 +4126,13 @@
   <p:clrMapOvr>
     <a:masterClrMapping/>
   </p:clrMapOvr>
+  <p:timing>
+    <p:tnLst>
+      <p:par>
+        <p:cTn id="1" dur="indefinite" restart="never" nodeType="tmRoot"/>
+      </p:par>
+    </p:tnLst>
+  </p:timing>
 </p:sld>
 </file>
 
@@ -3944,11 +4205,7 @@
             </a:r>
             <a:r>
               <a:rPr lang="fi-FI" dirty="0" smtClean="0"/>
-              <a:t>rakenteen käyttäen </a:t>
-            </a:r>
-            <a:r>
-              <a:rPr lang="fi-FI" dirty="0" smtClean="0"/>
-              <a:t>kuvauskieltä</a:t>
+              <a:t>rakenteen käyttäen kuvauskieltä</a:t>
             </a:r>
             <a:endParaRPr lang="fi-FI" dirty="0"/>
           </a:p>
@@ -3983,6 +4240,13 @@
   <p:clrMapOvr>
     <a:masterClrMapping/>
   </p:clrMapOvr>
+  <p:timing>
+    <p:tnLst>
+      <p:par>
+        <p:cTn id="1" dur="indefinite" restart="never" nodeType="tmRoot"/>
+      </p:par>
+    </p:tnLst>
+  </p:timing>
 </p:sld>
 </file>
 
@@ -4326,13 +4590,7 @@
               <a:rPr lang="fi-FI" sz="2800" dirty="0" smtClean="0">
                 <a:hlinkClick r:id="rId3"/>
               </a:rPr>
-              <a:t>https</a:t>
-            </a:r>
-            <a:r>
-              <a:rPr lang="fi-FI" sz="2800" dirty="0" smtClean="0">
-                <a:hlinkClick r:id="rId3"/>
-              </a:rPr>
-              <a:t>://www.w3schools.com/tags/ref_standardattributes.asp</a:t>
+              <a:t>https://www.w3schools.com/tags/ref_standardattributes.asp</a:t>
             </a:r>
             <a:endParaRPr lang="fi-FI" sz="2800" dirty="0" smtClean="0"/>
           </a:p>
@@ -5244,6 +5502,13 @@
   <p:clrMapOvr>
     <a:masterClrMapping/>
   </p:clrMapOvr>
+  <p:timing>
+    <p:tnLst>
+      <p:par>
+        <p:cTn id="1" dur="indefinite" restart="never" nodeType="tmRoot"/>
+      </p:par>
+    </p:tnLst>
+  </p:timing>
 </p:sld>
 </file>
 
